--- a/backend/powerpoint/created_slides/FINAL.pptx
+++ b/backend/powerpoint/created_slides/FINAL.pptx
@@ -20793,7 +20793,7 @@
     </p:spTree>
     <p:extLst>
       <p:ext uri="{BB962C8B-B14F-4D97-AF65-F5344CB8AC3E}">
-        <p14:creationId xmlns:p14="http://schemas.microsoft.com/office/powerpoint/2010/main" val="1300999658"/>
+        <p14:creationId xmlns:p14="http://schemas.microsoft.com/office/powerpoint/2010/main" val="2756251601"/>
       </p:ext>
     </p:extLst>
   </p:cSld>
@@ -20825,7 +20825,7 @@
           <p:cNvPr id="2" name="Title 1">
             <a:extLst>
               <a:ext uri="{FF2B5EF4-FFF2-40B4-BE49-F238E27FC236}">
-                <a16:creationId xmlns:a16="http://schemas.microsoft.com/office/drawing/2014/main" id="{7D2FD2C1-8487-3015-1A2D-03E52A3B9996}"/>
+                <a16:creationId xmlns:a16="http://schemas.microsoft.com/office/drawing/2014/main" id="{5FE8D1D3-0771-37CD-78D5-F856A524608C}"/>
               </a:ext>
             </a:extLst>
           </p:cNvPr>
@@ -20836,12 +20836,7 @@
             <p:ph type="title"/>
           </p:nvPr>
         </p:nvSpPr>
-        <p:spPr>
-          <a:xfrm>
-            <a:off x="457200" y="4960138"/>
-            <a:ext cx="3328219" cy="1155527"/>
-          </a:xfrm>
-        </p:spPr>
+        <p:spPr/>
         <p:txBody>
           <a:bodyPr/>
           <a:lstStyle/>
@@ -20864,7 +20859,7 @@
         </p:nvPicPr>
         <p:blipFill>
           <a:blip r:embed="rId2"/>
-          <a:srcRect t="24994" b="24994"/>
+          <a:srcRect l="23750" r="23750"/>
           <a:stretch>
             <a:fillRect/>
           </a:stretch>
@@ -20876,7 +20871,7 @@
           <p:cNvPr id="4" name="Text Placeholder 3">
             <a:extLst>
               <a:ext uri="{FF2B5EF4-FFF2-40B4-BE49-F238E27FC236}">
-                <a16:creationId xmlns:a16="http://schemas.microsoft.com/office/drawing/2014/main" id="{2EC9240D-E57E-F42F-386D-384B3BB78353}"/>
+                <a16:creationId xmlns:a16="http://schemas.microsoft.com/office/drawing/2014/main" id="{B85FF16B-2F67-CF6E-37EF-72AD5B7356BA}"/>
               </a:ext>
             </a:extLst>
           </p:cNvPr>
@@ -20887,12 +20882,7 @@
             <p:ph type="body" sz="half" idx="2"/>
           </p:nvPr>
         </p:nvSpPr>
-        <p:spPr>
-          <a:xfrm>
-            <a:off x="3962400" y="4571998"/>
-            <a:ext cx="7848600" cy="2192595"/>
-          </a:xfrm>
-        </p:spPr>
+        <p:spPr/>
         <p:txBody>
           <a:bodyPr/>
           <a:lstStyle/>
@@ -20906,7 +20896,7 @@
     </p:spTree>
     <p:extLst>
       <p:ext uri="{BB962C8B-B14F-4D97-AF65-F5344CB8AC3E}">
-        <p14:creationId xmlns:p14="http://schemas.microsoft.com/office/powerpoint/2010/main" val="3377923001"/>
+        <p14:creationId xmlns:p14="http://schemas.microsoft.com/office/powerpoint/2010/main" val="838446364"/>
       </p:ext>
     </p:extLst>
   </p:cSld>

--- a/backend/powerpoint/created_slides/FINAL.pptx
+++ b/backend/powerpoint/created_slides/FINAL.pptx
@@ -197,7 +197,7 @@
           <a:p>
             <a:fld id="{870CC9C5-3247-4881-93EA-827EC4A1B973}" type="datetimeFigureOut">
               <a:rPr lang="en-GB" smtClean="0"/>
-              <a:t>19/02/2025</a:t>
+              <a:t>26/02/2025</a:t>
             </a:fld>
             <a:endParaRPr lang="en-GB"/>
           </a:p>
@@ -660,7 +660,7 @@
           <a:p>
             <a:fld id="{FEBFF904-F2FC-44B1-B43E-CB1CA4DC4CA9}" type="datetime1">
               <a:rPr lang="en-GB" smtClean="0"/>
-              <a:t>19/02/2025</a:t>
+              <a:t>26/02/2025</a:t>
             </a:fld>
             <a:endParaRPr lang="en-GB"/>
           </a:p>
@@ -941,7 +941,7 @@
           <a:p>
             <a:fld id="{3B192CD6-5CA0-4FE4-BECD-124F6938392F}" type="datetime1">
               <a:rPr lang="en-GB" smtClean="0"/>
-              <a:t>19/02/2025</a:t>
+              <a:t>26/02/2025</a:t>
             </a:fld>
             <a:endParaRPr lang="en-GB"/>
           </a:p>
@@ -1133,7 +1133,7 @@
           <a:p>
             <a:fld id="{FBEF7C8E-40FA-48A5-A31D-4409170EAF57}" type="datetime1">
               <a:rPr lang="en-GB" smtClean="0"/>
-              <a:t>19/02/2025</a:t>
+              <a:t>26/02/2025</a:t>
             </a:fld>
             <a:endParaRPr lang="en-GB"/>
           </a:p>
@@ -1394,7 +1394,7 @@
           <a:p>
             <a:fld id="{1778426D-CFCF-477A-BFB2-E5C3A81B9699}" type="datetime1">
               <a:rPr lang="en-GB" smtClean="0"/>
-              <a:t>19/02/2025</a:t>
+              <a:t>26/02/2025</a:t>
             </a:fld>
             <a:endParaRPr lang="en-GB"/>
           </a:p>
@@ -1820,7 +1820,7 @@
           <a:p>
             <a:fld id="{562F7DCD-054A-46B6-969D-786A70B73437}" type="datetime1">
               <a:rPr lang="en-GB" smtClean="0"/>
-              <a:t>19/02/2025</a:t>
+              <a:t>26/02/2025</a:t>
             </a:fld>
             <a:endParaRPr lang="en-GB"/>
           </a:p>
@@ -2366,7 +2366,7 @@
           <a:p>
             <a:fld id="{71D9CBD8-4758-492A-A2A3-9FD0A4C920D4}" type="datetime1">
               <a:rPr lang="en-GB" smtClean="0"/>
-              <a:t>19/02/2025</a:t>
+              <a:t>26/02/2025</a:t>
             </a:fld>
             <a:endParaRPr lang="en-GB"/>
           </a:p>
@@ -3197,7 +3197,7 @@
           <a:p>
             <a:fld id="{3B13688B-08D2-4869-814F-77D13FA477E7}" type="datetime1">
               <a:rPr lang="en-GB" smtClean="0"/>
-              <a:t>19/02/2025</a:t>
+              <a:t>26/02/2025</a:t>
             </a:fld>
             <a:endParaRPr lang="en-GB"/>
           </a:p>
@@ -3367,7 +3367,7 @@
           <a:p>
             <a:fld id="{A7F01AB9-881B-4D32-8098-63D8EE43798E}" type="datetime1">
               <a:rPr lang="en-GB" smtClean="0"/>
-              <a:t>19/02/2025</a:t>
+              <a:t>26/02/2025</a:t>
             </a:fld>
             <a:endParaRPr lang="en-GB"/>
           </a:p>
@@ -3547,7 +3547,7 @@
           <a:p>
             <a:fld id="{6BB3DA4D-9E84-4BA2-86EA-732034ABB9B4}" type="datetime1">
               <a:rPr lang="en-GB" smtClean="0"/>
-              <a:t>19/02/2025</a:t>
+              <a:t>26/02/2025</a:t>
             </a:fld>
             <a:endParaRPr lang="en-GB"/>
           </a:p>
@@ -3717,7 +3717,7 @@
           <a:p>
             <a:fld id="{5436715F-F413-47D4-8CBA-8B84BE9F51D8}" type="datetime1">
               <a:rPr lang="en-GB" smtClean="0"/>
-              <a:t>19/02/2025</a:t>
+              <a:t>26/02/2025</a:t>
             </a:fld>
             <a:endParaRPr lang="en-GB"/>
           </a:p>
@@ -3974,7 +3974,7 @@
           <a:p>
             <a:fld id="{2E40C26F-2385-4DCA-A233-934715856DD8}" type="datetime1">
               <a:rPr lang="en-GB" smtClean="0"/>
-              <a:t>19/02/2025</a:t>
+              <a:t>26/02/2025</a:t>
             </a:fld>
             <a:endParaRPr lang="en-GB"/>
           </a:p>
@@ -4206,7 +4206,7 @@
           <a:p>
             <a:fld id="{02551839-9C6E-4AFA-A77A-EFF7591ABD9F}" type="datetime1">
               <a:rPr lang="en-GB" smtClean="0"/>
-              <a:t>19/02/2025</a:t>
+              <a:t>26/02/2025</a:t>
             </a:fld>
             <a:endParaRPr lang="en-GB"/>
           </a:p>
@@ -4599,7 +4599,7 @@
           <a:p>
             <a:fld id="{A08CEAB6-1322-438C-8456-FF1424EBCBE0}" type="datetime1">
               <a:rPr lang="en-GB" smtClean="0"/>
-              <a:t>19/02/2025</a:t>
+              <a:t>26/02/2025</a:t>
             </a:fld>
             <a:endParaRPr lang="en-GB"/>
           </a:p>
@@ -4717,7 +4717,7 @@
           <a:p>
             <a:fld id="{4B3885A3-CBB0-42F5-8367-8C61CA538BB9}" type="datetime1">
               <a:rPr lang="en-GB" smtClean="0"/>
-              <a:t>19/02/2025</a:t>
+              <a:t>26/02/2025</a:t>
             </a:fld>
             <a:endParaRPr lang="en-GB"/>
           </a:p>
@@ -4812,7 +4812,7 @@
           <a:p>
             <a:fld id="{2EE8FF3B-CCD0-4512-B0A3-91E2F9BBBC9A}" type="datetime1">
               <a:rPr lang="en-GB" smtClean="0"/>
-              <a:t>19/02/2025</a:t>
+              <a:t>26/02/2025</a:t>
             </a:fld>
             <a:endParaRPr lang="en-GB"/>
           </a:p>
@@ -5085,7 +5085,7 @@
           <a:p>
             <a:fld id="{4592F7CD-8F55-4E9D-B1E9-CD64F3D4D60C}" type="datetime1">
               <a:rPr lang="en-GB" smtClean="0"/>
-              <a:t>19/02/2025</a:t>
+              <a:t>26/02/2025</a:t>
             </a:fld>
             <a:endParaRPr lang="en-GB"/>
           </a:p>
@@ -5366,7 +5366,7 @@
           <a:p>
             <a:fld id="{4A62C000-05F7-48E1-8091-A26E7E5100BC}" type="datetime1">
               <a:rPr lang="en-GB" smtClean="0"/>
-              <a:t>19/02/2025</a:t>
+              <a:t>26/02/2025</a:t>
             </a:fld>
             <a:endParaRPr lang="en-GB"/>
           </a:p>
@@ -5606,7 +5606,7 @@
           <a:p>
             <a:fld id="{A6167571-A7EE-46D1-89BA-B10F682DEF10}" type="datetime1">
               <a:rPr lang="en-GB" smtClean="0"/>
-              <a:t>19/02/2025</a:t>
+              <a:t>26/02/2025</a:t>
             </a:fld>
             <a:endParaRPr lang="en-GB"/>
           </a:p>
@@ -6198,7 +6198,7 @@
           <a:lstStyle/>
           <a:p>
             <a:r>
-              <a:t>Test</a:t>
+              <a:t>Cjfshbvfhjsbfhsb</a:t>
             </a:r>
           </a:p>
         </p:txBody>
@@ -6230,8 +6230,10 @@
           <a:lstStyle/>
           <a:p>
             <a:r>
-              <a:t>Content would be here Why bullet points</a:t>
-            </a:r>
+              <a:rPr lang="en-GB" dirty="0" err="1"/>
+              <a:t>kdsnxzbfjhsdbfdsbfu</a:t>
+            </a:r>
+            <a:endParaRPr dirty="0"/>
           </a:p>
         </p:txBody>
       </p:sp>
@@ -6268,19 +6270,97 @@
           <a:p>
             <a:pPr lvl="1"/>
             <a:r>
-              <a:t>- God</a:t>
+              <a:t>- C</a:t>
             </a:r>
           </a:p>
           <a:p>
             <a:pPr lvl="1"/>
             <a:r>
-              <a:t>- John</a:t>
+              <a:t>- j</a:t>
             </a:r>
           </a:p>
           <a:p>
             <a:pPr lvl="1"/>
             <a:r>
-              <a:t>- Jesus</a:t>
+              <a:t>- f</a:t>
+            </a:r>
+          </a:p>
+          <a:p>
+            <a:pPr lvl="1"/>
+            <a:r>
+              <a:t>- s</a:t>
+            </a:r>
+          </a:p>
+          <a:p>
+            <a:pPr lvl="1"/>
+            <a:r>
+              <a:t>- h</a:t>
+            </a:r>
+          </a:p>
+          <a:p>
+            <a:pPr lvl="1"/>
+            <a:r>
+              <a:t>- b</a:t>
+            </a:r>
+          </a:p>
+          <a:p>
+            <a:pPr lvl="1"/>
+            <a:r>
+              <a:t>- v</a:t>
+            </a:r>
+          </a:p>
+          <a:p>
+            <a:pPr lvl="1"/>
+            <a:r>
+              <a:t>- f</a:t>
+            </a:r>
+          </a:p>
+          <a:p>
+            <a:pPr lvl="1"/>
+            <a:r>
+              <a:t>- h</a:t>
+            </a:r>
+          </a:p>
+          <a:p>
+            <a:pPr lvl="1"/>
+            <a:r>
+              <a:t>- j</a:t>
+            </a:r>
+          </a:p>
+          <a:p>
+            <a:pPr lvl="1"/>
+            <a:r>
+              <a:t>- s</a:t>
+            </a:r>
+          </a:p>
+          <a:p>
+            <a:pPr lvl="1"/>
+            <a:r>
+              <a:t>- b</a:t>
+            </a:r>
+          </a:p>
+          <a:p>
+            <a:pPr lvl="1"/>
+            <a:r>
+              <a:t>- f</a:t>
+            </a:r>
+          </a:p>
+          <a:p>
+            <a:pPr lvl="1"/>
+            <a:r>
+              <a:t>- h</a:t>
+            </a:r>
+          </a:p>
+          <a:p>
+            <a:pPr lvl="1"/>
+            <a:r>
+              <a:t>- s</a:t>
+            </a:r>
+          </a:p>
+          <a:p>
+            <a:pPr lvl="1"/>
+            <a:r>
+              <a:t>- b</a:t>
             </a:r>
           </a:p>
         </p:txBody>
